--- a/ppt 16-9/0315.主言是我食物.pptx
+++ b/ppt 16-9/0315.主言是我食物.pptx
@@ -129,7 +129,7 @@
           <p:cNvPr id="2" name="标题 1">
             <a:extLst>
               <a:ext uri="{FF2B5EF4-FFF2-40B4-BE49-F238E27FC236}">
-                <a16:creationId xmlns:a16="http://schemas.microsoft.com/office/drawing/2014/main" id="{F87C8023-DB6D-42B4-CC5F-A0C1D02C67BA}"/>
+                <a16:creationId xmlns:a16="http://schemas.microsoft.com/office/drawing/2014/main" id="{357AF04E-1C36-5D11-1949-C926D9F448E3}"/>
               </a:ext>
             </a:extLst>
           </p:cNvPr>
@@ -166,7 +166,7 @@
           <p:cNvPr id="3" name="副标题 2">
             <a:extLst>
               <a:ext uri="{FF2B5EF4-FFF2-40B4-BE49-F238E27FC236}">
-                <a16:creationId xmlns:a16="http://schemas.microsoft.com/office/drawing/2014/main" id="{139B429F-D050-AAA2-6B9D-5713FD70A793}"/>
+                <a16:creationId xmlns:a16="http://schemas.microsoft.com/office/drawing/2014/main" id="{3B96A490-325C-F728-9CB0-D7BC0DBA6CB6}"/>
               </a:ext>
             </a:extLst>
           </p:cNvPr>
@@ -236,7 +236,7 @@
           <p:cNvPr id="4" name="日期占位符 3">
             <a:extLst>
               <a:ext uri="{FF2B5EF4-FFF2-40B4-BE49-F238E27FC236}">
-                <a16:creationId xmlns:a16="http://schemas.microsoft.com/office/drawing/2014/main" id="{8B85306D-E380-618D-CFEA-66BA740CC961}"/>
+                <a16:creationId xmlns:a16="http://schemas.microsoft.com/office/drawing/2014/main" id="{A597AB7F-A1B9-ECF8-82F9-4480770C7424}"/>
               </a:ext>
             </a:extLst>
           </p:cNvPr>
@@ -252,7 +252,7 @@
           <a:bodyPr/>
           <a:lstStyle/>
           <a:p>
-            <a:fld id="{0D7D446A-51BA-45DE-AFC9-92B1AABD0822}" type="datetimeFigureOut">
+            <a:fld id="{5E8416D6-2387-4C23-AE9C-8FD4EB2D001D}" type="datetimeFigureOut">
               <a:rPr lang="zh-CN" altLang="en-US" smtClean="0"/>
               <a:t>2024/3/10</a:t>
             </a:fld>
@@ -265,7 +265,7 @@
           <p:cNvPr id="5" name="页脚占位符 4">
             <a:extLst>
               <a:ext uri="{FF2B5EF4-FFF2-40B4-BE49-F238E27FC236}">
-                <a16:creationId xmlns:a16="http://schemas.microsoft.com/office/drawing/2014/main" id="{55902323-40A0-07A0-2FF6-363CF929C5B2}"/>
+                <a16:creationId xmlns:a16="http://schemas.microsoft.com/office/drawing/2014/main" id="{6DB3D6B2-7261-0407-26A7-2B04A6E8BC7D}"/>
               </a:ext>
             </a:extLst>
           </p:cNvPr>
@@ -290,7 +290,7 @@
           <p:cNvPr id="6" name="灯片编号占位符 5">
             <a:extLst>
               <a:ext uri="{FF2B5EF4-FFF2-40B4-BE49-F238E27FC236}">
-                <a16:creationId xmlns:a16="http://schemas.microsoft.com/office/drawing/2014/main" id="{D9590D88-E7EB-A094-F5C3-42846C4B1F64}"/>
+                <a16:creationId xmlns:a16="http://schemas.microsoft.com/office/drawing/2014/main" id="{F7514808-ED71-9831-A562-565F78E0C344}"/>
               </a:ext>
             </a:extLst>
           </p:cNvPr>
@@ -306,7 +306,7 @@
           <a:bodyPr/>
           <a:lstStyle/>
           <a:p>
-            <a:fld id="{0DA1873D-B664-4226-917D-9798DBFB2A3E}" type="slidenum">
+            <a:fld id="{BAF53A50-985F-42BB-8159-5B20F448C21B}" type="slidenum">
               <a:rPr lang="zh-CN" altLang="en-US" smtClean="0"/>
               <a:t>‹#›</a:t>
             </a:fld>
@@ -317,7 +317,7 @@
     </p:spTree>
     <p:extLst>
       <p:ext uri="{BB962C8B-B14F-4D97-AF65-F5344CB8AC3E}">
-        <p14:creationId xmlns:p14="http://schemas.microsoft.com/office/powerpoint/2010/main" val="4284870846"/>
+        <p14:creationId xmlns:p14="http://schemas.microsoft.com/office/powerpoint/2010/main" val="2838182684"/>
       </p:ext>
     </p:extLst>
   </p:cSld>
@@ -349,7 +349,7 @@
           <p:cNvPr id="2" name="标题 1">
             <a:extLst>
               <a:ext uri="{FF2B5EF4-FFF2-40B4-BE49-F238E27FC236}">
-                <a16:creationId xmlns:a16="http://schemas.microsoft.com/office/drawing/2014/main" id="{C47751A9-7B1A-54AE-9E66-ED086127E2F7}"/>
+                <a16:creationId xmlns:a16="http://schemas.microsoft.com/office/drawing/2014/main" id="{EE86DCD1-1B90-F3C8-5BF8-26194D16B9C9}"/>
               </a:ext>
             </a:extLst>
           </p:cNvPr>
@@ -377,7 +377,7 @@
           <p:cNvPr id="3" name="竖排文字占位符 2">
             <a:extLst>
               <a:ext uri="{FF2B5EF4-FFF2-40B4-BE49-F238E27FC236}">
-                <a16:creationId xmlns:a16="http://schemas.microsoft.com/office/drawing/2014/main" id="{00609F39-7FB8-1BA1-5A5E-5E92D8E541A7}"/>
+                <a16:creationId xmlns:a16="http://schemas.microsoft.com/office/drawing/2014/main" id="{077CEA1E-6BE9-0DDA-A41F-A2B311B7A32F}"/>
               </a:ext>
             </a:extLst>
           </p:cNvPr>
@@ -434,7 +434,7 @@
           <p:cNvPr id="4" name="日期占位符 3">
             <a:extLst>
               <a:ext uri="{FF2B5EF4-FFF2-40B4-BE49-F238E27FC236}">
-                <a16:creationId xmlns:a16="http://schemas.microsoft.com/office/drawing/2014/main" id="{14C39418-8FB6-9E3A-8C5B-BA3965F49F1A}"/>
+                <a16:creationId xmlns:a16="http://schemas.microsoft.com/office/drawing/2014/main" id="{E5A2296A-F668-285E-105B-8F597246D1B8}"/>
               </a:ext>
             </a:extLst>
           </p:cNvPr>
@@ -450,7 +450,7 @@
           <a:bodyPr/>
           <a:lstStyle/>
           <a:p>
-            <a:fld id="{0D7D446A-51BA-45DE-AFC9-92B1AABD0822}" type="datetimeFigureOut">
+            <a:fld id="{5E8416D6-2387-4C23-AE9C-8FD4EB2D001D}" type="datetimeFigureOut">
               <a:rPr lang="zh-CN" altLang="en-US" smtClean="0"/>
               <a:t>2024/3/10</a:t>
             </a:fld>
@@ -463,7 +463,7 @@
           <p:cNvPr id="5" name="页脚占位符 4">
             <a:extLst>
               <a:ext uri="{FF2B5EF4-FFF2-40B4-BE49-F238E27FC236}">
-                <a16:creationId xmlns:a16="http://schemas.microsoft.com/office/drawing/2014/main" id="{EFC03561-14D6-920D-D95A-707EEEEBC4BC}"/>
+                <a16:creationId xmlns:a16="http://schemas.microsoft.com/office/drawing/2014/main" id="{C9899594-7002-41D7-C5B1-702F24864BCF}"/>
               </a:ext>
             </a:extLst>
           </p:cNvPr>
@@ -488,7 +488,7 @@
           <p:cNvPr id="6" name="灯片编号占位符 5">
             <a:extLst>
               <a:ext uri="{FF2B5EF4-FFF2-40B4-BE49-F238E27FC236}">
-                <a16:creationId xmlns:a16="http://schemas.microsoft.com/office/drawing/2014/main" id="{3A1AD4BB-E15D-A548-A7C3-6451A2F1E8F2}"/>
+                <a16:creationId xmlns:a16="http://schemas.microsoft.com/office/drawing/2014/main" id="{BAFD467D-E0E4-4FEC-B522-864C18BCFE68}"/>
               </a:ext>
             </a:extLst>
           </p:cNvPr>
@@ -504,7 +504,7 @@
           <a:bodyPr/>
           <a:lstStyle/>
           <a:p>
-            <a:fld id="{0DA1873D-B664-4226-917D-9798DBFB2A3E}" type="slidenum">
+            <a:fld id="{BAF53A50-985F-42BB-8159-5B20F448C21B}" type="slidenum">
               <a:rPr lang="zh-CN" altLang="en-US" smtClean="0"/>
               <a:t>‹#›</a:t>
             </a:fld>
@@ -515,7 +515,7 @@
     </p:spTree>
     <p:extLst>
       <p:ext uri="{BB962C8B-B14F-4D97-AF65-F5344CB8AC3E}">
-        <p14:creationId xmlns:p14="http://schemas.microsoft.com/office/powerpoint/2010/main" val="610599140"/>
+        <p14:creationId xmlns:p14="http://schemas.microsoft.com/office/powerpoint/2010/main" val="4067160204"/>
       </p:ext>
     </p:extLst>
   </p:cSld>
@@ -547,7 +547,7 @@
           <p:cNvPr id="2" name="竖排标题 1">
             <a:extLst>
               <a:ext uri="{FF2B5EF4-FFF2-40B4-BE49-F238E27FC236}">
-                <a16:creationId xmlns:a16="http://schemas.microsoft.com/office/drawing/2014/main" id="{FB85EBB2-F011-D222-9ABD-AFD7DDD4DA3A}"/>
+                <a16:creationId xmlns:a16="http://schemas.microsoft.com/office/drawing/2014/main" id="{0A87EB14-F474-7D24-F021-968C2F9BC4C7}"/>
               </a:ext>
             </a:extLst>
           </p:cNvPr>
@@ -580,7 +580,7 @@
           <p:cNvPr id="3" name="竖排文字占位符 2">
             <a:extLst>
               <a:ext uri="{FF2B5EF4-FFF2-40B4-BE49-F238E27FC236}">
-                <a16:creationId xmlns:a16="http://schemas.microsoft.com/office/drawing/2014/main" id="{2669D6AB-E095-8CFE-FD3F-45423F7FA162}"/>
+                <a16:creationId xmlns:a16="http://schemas.microsoft.com/office/drawing/2014/main" id="{87F5A84C-3B87-DC99-2299-B3E1CC305CE6}"/>
               </a:ext>
             </a:extLst>
           </p:cNvPr>
@@ -642,7 +642,7 @@
           <p:cNvPr id="4" name="日期占位符 3">
             <a:extLst>
               <a:ext uri="{FF2B5EF4-FFF2-40B4-BE49-F238E27FC236}">
-                <a16:creationId xmlns:a16="http://schemas.microsoft.com/office/drawing/2014/main" id="{D88BEFF2-B27C-DFF2-15A7-B05D211F87DD}"/>
+                <a16:creationId xmlns:a16="http://schemas.microsoft.com/office/drawing/2014/main" id="{95523340-2EE2-D03E-E40B-D8891CD114E7}"/>
               </a:ext>
             </a:extLst>
           </p:cNvPr>
@@ -658,7 +658,7 @@
           <a:bodyPr/>
           <a:lstStyle/>
           <a:p>
-            <a:fld id="{0D7D446A-51BA-45DE-AFC9-92B1AABD0822}" type="datetimeFigureOut">
+            <a:fld id="{5E8416D6-2387-4C23-AE9C-8FD4EB2D001D}" type="datetimeFigureOut">
               <a:rPr lang="zh-CN" altLang="en-US" smtClean="0"/>
               <a:t>2024/3/10</a:t>
             </a:fld>
@@ -671,7 +671,7 @@
           <p:cNvPr id="5" name="页脚占位符 4">
             <a:extLst>
               <a:ext uri="{FF2B5EF4-FFF2-40B4-BE49-F238E27FC236}">
-                <a16:creationId xmlns:a16="http://schemas.microsoft.com/office/drawing/2014/main" id="{5190DFD9-7249-4B10-5398-84E30817194D}"/>
+                <a16:creationId xmlns:a16="http://schemas.microsoft.com/office/drawing/2014/main" id="{60DFD6BE-712F-E366-A811-7323390CA9AD}"/>
               </a:ext>
             </a:extLst>
           </p:cNvPr>
@@ -696,7 +696,7 @@
           <p:cNvPr id="6" name="灯片编号占位符 5">
             <a:extLst>
               <a:ext uri="{FF2B5EF4-FFF2-40B4-BE49-F238E27FC236}">
-                <a16:creationId xmlns:a16="http://schemas.microsoft.com/office/drawing/2014/main" id="{DA48C743-8592-B2A8-A4BE-F3B97C3EBDEC}"/>
+                <a16:creationId xmlns:a16="http://schemas.microsoft.com/office/drawing/2014/main" id="{10B55898-8179-CC0C-9CAA-D42F8D4E8316}"/>
               </a:ext>
             </a:extLst>
           </p:cNvPr>
@@ -712,7 +712,7 @@
           <a:bodyPr/>
           <a:lstStyle/>
           <a:p>
-            <a:fld id="{0DA1873D-B664-4226-917D-9798DBFB2A3E}" type="slidenum">
+            <a:fld id="{BAF53A50-985F-42BB-8159-5B20F448C21B}" type="slidenum">
               <a:rPr lang="zh-CN" altLang="en-US" smtClean="0"/>
               <a:t>‹#›</a:t>
             </a:fld>
@@ -723,7 +723,7 @@
     </p:spTree>
     <p:extLst>
       <p:ext uri="{BB962C8B-B14F-4D97-AF65-F5344CB8AC3E}">
-        <p14:creationId xmlns:p14="http://schemas.microsoft.com/office/powerpoint/2010/main" val="2574381778"/>
+        <p14:creationId xmlns:p14="http://schemas.microsoft.com/office/powerpoint/2010/main" val="2252351891"/>
       </p:ext>
     </p:extLst>
   </p:cSld>
@@ -755,7 +755,7 @@
           <p:cNvPr id="2" name="标题 1">
             <a:extLst>
               <a:ext uri="{FF2B5EF4-FFF2-40B4-BE49-F238E27FC236}">
-                <a16:creationId xmlns:a16="http://schemas.microsoft.com/office/drawing/2014/main" id="{5CD997C1-177E-CED4-0970-536014BC562E}"/>
+                <a16:creationId xmlns:a16="http://schemas.microsoft.com/office/drawing/2014/main" id="{41C9A9E7-0653-40BE-CF35-F46C8F45DC75}"/>
               </a:ext>
             </a:extLst>
           </p:cNvPr>
@@ -783,7 +783,7 @@
           <p:cNvPr id="3" name="内容占位符 2">
             <a:extLst>
               <a:ext uri="{FF2B5EF4-FFF2-40B4-BE49-F238E27FC236}">
-                <a16:creationId xmlns:a16="http://schemas.microsoft.com/office/drawing/2014/main" id="{70CA3034-36CF-C277-7E4F-B1BA42CE220B}"/>
+                <a16:creationId xmlns:a16="http://schemas.microsoft.com/office/drawing/2014/main" id="{1698922F-32A8-AB21-1D3D-E30C2AC8D554}"/>
               </a:ext>
             </a:extLst>
           </p:cNvPr>
@@ -840,7 +840,7 @@
           <p:cNvPr id="4" name="日期占位符 3">
             <a:extLst>
               <a:ext uri="{FF2B5EF4-FFF2-40B4-BE49-F238E27FC236}">
-                <a16:creationId xmlns:a16="http://schemas.microsoft.com/office/drawing/2014/main" id="{7DE2E8A3-304D-A85A-4440-B8544A59A653}"/>
+                <a16:creationId xmlns:a16="http://schemas.microsoft.com/office/drawing/2014/main" id="{9ADDF21E-9E63-AA09-898A-BF184F07459D}"/>
               </a:ext>
             </a:extLst>
           </p:cNvPr>
@@ -856,7 +856,7 @@
           <a:bodyPr/>
           <a:lstStyle/>
           <a:p>
-            <a:fld id="{0D7D446A-51BA-45DE-AFC9-92B1AABD0822}" type="datetimeFigureOut">
+            <a:fld id="{5E8416D6-2387-4C23-AE9C-8FD4EB2D001D}" type="datetimeFigureOut">
               <a:rPr lang="zh-CN" altLang="en-US" smtClean="0"/>
               <a:t>2024/3/10</a:t>
             </a:fld>
@@ -869,7 +869,7 @@
           <p:cNvPr id="5" name="页脚占位符 4">
             <a:extLst>
               <a:ext uri="{FF2B5EF4-FFF2-40B4-BE49-F238E27FC236}">
-                <a16:creationId xmlns:a16="http://schemas.microsoft.com/office/drawing/2014/main" id="{3D942A18-B228-D12B-4B34-074643605513}"/>
+                <a16:creationId xmlns:a16="http://schemas.microsoft.com/office/drawing/2014/main" id="{9D4EC72F-A27A-7410-29C3-D85FA633F575}"/>
               </a:ext>
             </a:extLst>
           </p:cNvPr>
@@ -894,7 +894,7 @@
           <p:cNvPr id="6" name="灯片编号占位符 5">
             <a:extLst>
               <a:ext uri="{FF2B5EF4-FFF2-40B4-BE49-F238E27FC236}">
-                <a16:creationId xmlns:a16="http://schemas.microsoft.com/office/drawing/2014/main" id="{BEDE03E7-967A-F46A-3790-FBADD5CAFF6A}"/>
+                <a16:creationId xmlns:a16="http://schemas.microsoft.com/office/drawing/2014/main" id="{BDE7F649-8D19-D0FA-967D-18C0CCE85A63}"/>
               </a:ext>
             </a:extLst>
           </p:cNvPr>
@@ -910,7 +910,7 @@
           <a:bodyPr/>
           <a:lstStyle/>
           <a:p>
-            <a:fld id="{0DA1873D-B664-4226-917D-9798DBFB2A3E}" type="slidenum">
+            <a:fld id="{BAF53A50-985F-42BB-8159-5B20F448C21B}" type="slidenum">
               <a:rPr lang="zh-CN" altLang="en-US" smtClean="0"/>
               <a:t>‹#›</a:t>
             </a:fld>
@@ -921,7 +921,7 @@
     </p:spTree>
     <p:extLst>
       <p:ext uri="{BB962C8B-B14F-4D97-AF65-F5344CB8AC3E}">
-        <p14:creationId xmlns:p14="http://schemas.microsoft.com/office/powerpoint/2010/main" val="972457514"/>
+        <p14:creationId xmlns:p14="http://schemas.microsoft.com/office/powerpoint/2010/main" val="4030457136"/>
       </p:ext>
     </p:extLst>
   </p:cSld>
@@ -953,7 +953,7 @@
           <p:cNvPr id="2" name="标题 1">
             <a:extLst>
               <a:ext uri="{FF2B5EF4-FFF2-40B4-BE49-F238E27FC236}">
-                <a16:creationId xmlns:a16="http://schemas.microsoft.com/office/drawing/2014/main" id="{821EB17F-417A-DAD3-8F22-5073BF4AD728}"/>
+                <a16:creationId xmlns:a16="http://schemas.microsoft.com/office/drawing/2014/main" id="{1F43B9D0-5062-CE7A-D05D-34E7B04DAC47}"/>
               </a:ext>
             </a:extLst>
           </p:cNvPr>
@@ -990,7 +990,7 @@
           <p:cNvPr id="3" name="文本占位符 2">
             <a:extLst>
               <a:ext uri="{FF2B5EF4-FFF2-40B4-BE49-F238E27FC236}">
-                <a16:creationId xmlns:a16="http://schemas.microsoft.com/office/drawing/2014/main" id="{DF382A9A-F8A9-DAE2-5525-411494858A93}"/>
+                <a16:creationId xmlns:a16="http://schemas.microsoft.com/office/drawing/2014/main" id="{08D32991-F482-1F13-18CE-AB70903859FF}"/>
               </a:ext>
             </a:extLst>
           </p:cNvPr>
@@ -1115,7 +1115,7 @@
           <p:cNvPr id="4" name="日期占位符 3">
             <a:extLst>
               <a:ext uri="{FF2B5EF4-FFF2-40B4-BE49-F238E27FC236}">
-                <a16:creationId xmlns:a16="http://schemas.microsoft.com/office/drawing/2014/main" id="{C4B2E09A-693D-EC40-EBD5-E27467699A5F}"/>
+                <a16:creationId xmlns:a16="http://schemas.microsoft.com/office/drawing/2014/main" id="{685577A4-84BB-44C5-3334-B0B106E825F4}"/>
               </a:ext>
             </a:extLst>
           </p:cNvPr>
@@ -1131,7 +1131,7 @@
           <a:bodyPr/>
           <a:lstStyle/>
           <a:p>
-            <a:fld id="{0D7D446A-51BA-45DE-AFC9-92B1AABD0822}" type="datetimeFigureOut">
+            <a:fld id="{5E8416D6-2387-4C23-AE9C-8FD4EB2D001D}" type="datetimeFigureOut">
               <a:rPr lang="zh-CN" altLang="en-US" smtClean="0"/>
               <a:t>2024/3/10</a:t>
             </a:fld>
@@ -1144,7 +1144,7 @@
           <p:cNvPr id="5" name="页脚占位符 4">
             <a:extLst>
               <a:ext uri="{FF2B5EF4-FFF2-40B4-BE49-F238E27FC236}">
-                <a16:creationId xmlns:a16="http://schemas.microsoft.com/office/drawing/2014/main" id="{537DA2B7-811E-74FD-38FA-25C42F79E673}"/>
+                <a16:creationId xmlns:a16="http://schemas.microsoft.com/office/drawing/2014/main" id="{82D4928B-418F-36F1-9468-BCDE04A665FF}"/>
               </a:ext>
             </a:extLst>
           </p:cNvPr>
@@ -1169,7 +1169,7 @@
           <p:cNvPr id="6" name="灯片编号占位符 5">
             <a:extLst>
               <a:ext uri="{FF2B5EF4-FFF2-40B4-BE49-F238E27FC236}">
-                <a16:creationId xmlns:a16="http://schemas.microsoft.com/office/drawing/2014/main" id="{1988AA08-BE8B-B438-80E4-A28B291ABCC0}"/>
+                <a16:creationId xmlns:a16="http://schemas.microsoft.com/office/drawing/2014/main" id="{8A066512-BE70-D99B-804E-55A0670FA810}"/>
               </a:ext>
             </a:extLst>
           </p:cNvPr>
@@ -1185,7 +1185,7 @@
           <a:bodyPr/>
           <a:lstStyle/>
           <a:p>
-            <a:fld id="{0DA1873D-B664-4226-917D-9798DBFB2A3E}" type="slidenum">
+            <a:fld id="{BAF53A50-985F-42BB-8159-5B20F448C21B}" type="slidenum">
               <a:rPr lang="zh-CN" altLang="en-US" smtClean="0"/>
               <a:t>‹#›</a:t>
             </a:fld>
@@ -1196,7 +1196,7 @@
     </p:spTree>
     <p:extLst>
       <p:ext uri="{BB962C8B-B14F-4D97-AF65-F5344CB8AC3E}">
-        <p14:creationId xmlns:p14="http://schemas.microsoft.com/office/powerpoint/2010/main" val="1733945698"/>
+        <p14:creationId xmlns:p14="http://schemas.microsoft.com/office/powerpoint/2010/main" val="80095297"/>
       </p:ext>
     </p:extLst>
   </p:cSld>
@@ -1228,7 +1228,7 @@
           <p:cNvPr id="2" name="标题 1">
             <a:extLst>
               <a:ext uri="{FF2B5EF4-FFF2-40B4-BE49-F238E27FC236}">
-                <a16:creationId xmlns:a16="http://schemas.microsoft.com/office/drawing/2014/main" id="{A1EED480-C634-E10B-4670-AAF2BA5C4572}"/>
+                <a16:creationId xmlns:a16="http://schemas.microsoft.com/office/drawing/2014/main" id="{325C40A7-4BDC-BE06-0827-F4A301850359}"/>
               </a:ext>
             </a:extLst>
           </p:cNvPr>
@@ -1256,7 +1256,7 @@
           <p:cNvPr id="3" name="内容占位符 2">
             <a:extLst>
               <a:ext uri="{FF2B5EF4-FFF2-40B4-BE49-F238E27FC236}">
-                <a16:creationId xmlns:a16="http://schemas.microsoft.com/office/drawing/2014/main" id="{322B3AA4-66FB-1C1A-0DB8-9DDA95875BD5}"/>
+                <a16:creationId xmlns:a16="http://schemas.microsoft.com/office/drawing/2014/main" id="{490C6523-77F5-A146-1A41-DA84068B6BE6}"/>
               </a:ext>
             </a:extLst>
           </p:cNvPr>
@@ -1318,7 +1318,7 @@
           <p:cNvPr id="4" name="内容占位符 3">
             <a:extLst>
               <a:ext uri="{FF2B5EF4-FFF2-40B4-BE49-F238E27FC236}">
-                <a16:creationId xmlns:a16="http://schemas.microsoft.com/office/drawing/2014/main" id="{0224D01A-5800-4B2B-BC5B-7C320D674FEE}"/>
+                <a16:creationId xmlns:a16="http://schemas.microsoft.com/office/drawing/2014/main" id="{325B8B25-3676-3F00-6857-3B6BDF714309}"/>
               </a:ext>
             </a:extLst>
           </p:cNvPr>
@@ -1380,7 +1380,7 @@
           <p:cNvPr id="5" name="日期占位符 4">
             <a:extLst>
               <a:ext uri="{FF2B5EF4-FFF2-40B4-BE49-F238E27FC236}">
-                <a16:creationId xmlns:a16="http://schemas.microsoft.com/office/drawing/2014/main" id="{CE4560C9-555B-D5CA-7276-9ABA428983B9}"/>
+                <a16:creationId xmlns:a16="http://schemas.microsoft.com/office/drawing/2014/main" id="{6CE844BD-3E3C-E848-DBDE-56EF6B10872D}"/>
               </a:ext>
             </a:extLst>
           </p:cNvPr>
@@ -1396,7 +1396,7 @@
           <a:bodyPr/>
           <a:lstStyle/>
           <a:p>
-            <a:fld id="{0D7D446A-51BA-45DE-AFC9-92B1AABD0822}" type="datetimeFigureOut">
+            <a:fld id="{5E8416D6-2387-4C23-AE9C-8FD4EB2D001D}" type="datetimeFigureOut">
               <a:rPr lang="zh-CN" altLang="en-US" smtClean="0"/>
               <a:t>2024/3/10</a:t>
             </a:fld>
@@ -1409,7 +1409,7 @@
           <p:cNvPr id="6" name="页脚占位符 5">
             <a:extLst>
               <a:ext uri="{FF2B5EF4-FFF2-40B4-BE49-F238E27FC236}">
-                <a16:creationId xmlns:a16="http://schemas.microsoft.com/office/drawing/2014/main" id="{A3A6D670-C149-A417-4786-0B78C6AD47C7}"/>
+                <a16:creationId xmlns:a16="http://schemas.microsoft.com/office/drawing/2014/main" id="{DD631916-891E-E490-D23E-FB92802C9068}"/>
               </a:ext>
             </a:extLst>
           </p:cNvPr>
@@ -1434,7 +1434,7 @@
           <p:cNvPr id="7" name="灯片编号占位符 6">
             <a:extLst>
               <a:ext uri="{FF2B5EF4-FFF2-40B4-BE49-F238E27FC236}">
-                <a16:creationId xmlns:a16="http://schemas.microsoft.com/office/drawing/2014/main" id="{75E050DC-25AF-BF9F-8155-374166873205}"/>
+                <a16:creationId xmlns:a16="http://schemas.microsoft.com/office/drawing/2014/main" id="{3A56D287-3BF6-B2F1-AE79-D0419CB15F95}"/>
               </a:ext>
             </a:extLst>
           </p:cNvPr>
@@ -1450,7 +1450,7 @@
           <a:bodyPr/>
           <a:lstStyle/>
           <a:p>
-            <a:fld id="{0DA1873D-B664-4226-917D-9798DBFB2A3E}" type="slidenum">
+            <a:fld id="{BAF53A50-985F-42BB-8159-5B20F448C21B}" type="slidenum">
               <a:rPr lang="zh-CN" altLang="en-US" smtClean="0"/>
               <a:t>‹#›</a:t>
             </a:fld>
@@ -1461,7 +1461,7 @@
     </p:spTree>
     <p:extLst>
       <p:ext uri="{BB962C8B-B14F-4D97-AF65-F5344CB8AC3E}">
-        <p14:creationId xmlns:p14="http://schemas.microsoft.com/office/powerpoint/2010/main" val="1679234720"/>
+        <p14:creationId xmlns:p14="http://schemas.microsoft.com/office/powerpoint/2010/main" val="496556769"/>
       </p:ext>
     </p:extLst>
   </p:cSld>
@@ -1493,7 +1493,7 @@
           <p:cNvPr id="2" name="标题 1">
             <a:extLst>
               <a:ext uri="{FF2B5EF4-FFF2-40B4-BE49-F238E27FC236}">
-                <a16:creationId xmlns:a16="http://schemas.microsoft.com/office/drawing/2014/main" id="{14D5854F-7E02-344B-CFD7-8AB3B432A6EA}"/>
+                <a16:creationId xmlns:a16="http://schemas.microsoft.com/office/drawing/2014/main" id="{084F1EF5-1852-9AE0-80E5-916E2B0310F5}"/>
               </a:ext>
             </a:extLst>
           </p:cNvPr>
@@ -1526,7 +1526,7 @@
           <p:cNvPr id="3" name="文本占位符 2">
             <a:extLst>
               <a:ext uri="{FF2B5EF4-FFF2-40B4-BE49-F238E27FC236}">
-                <a16:creationId xmlns:a16="http://schemas.microsoft.com/office/drawing/2014/main" id="{B4B7DACB-68AB-066A-ABA2-4400A3C57EA2}"/>
+                <a16:creationId xmlns:a16="http://schemas.microsoft.com/office/drawing/2014/main" id="{D6152A1B-C750-E594-0459-C5BEAA1E25F5}"/>
               </a:ext>
             </a:extLst>
           </p:cNvPr>
@@ -1597,7 +1597,7 @@
           <p:cNvPr id="4" name="内容占位符 3">
             <a:extLst>
               <a:ext uri="{FF2B5EF4-FFF2-40B4-BE49-F238E27FC236}">
-                <a16:creationId xmlns:a16="http://schemas.microsoft.com/office/drawing/2014/main" id="{55CE0AB0-2F5F-37FD-0A28-D0F63736AA87}"/>
+                <a16:creationId xmlns:a16="http://schemas.microsoft.com/office/drawing/2014/main" id="{58BD92E7-592A-79FC-7CD5-7EEBB7D6D0A9}"/>
               </a:ext>
             </a:extLst>
           </p:cNvPr>
@@ -1659,7 +1659,7 @@
           <p:cNvPr id="5" name="文本占位符 4">
             <a:extLst>
               <a:ext uri="{FF2B5EF4-FFF2-40B4-BE49-F238E27FC236}">
-                <a16:creationId xmlns:a16="http://schemas.microsoft.com/office/drawing/2014/main" id="{92D6B661-0046-6F06-EB89-F99E520F07C5}"/>
+                <a16:creationId xmlns:a16="http://schemas.microsoft.com/office/drawing/2014/main" id="{0BC98A70-69B4-5CC2-4746-68DBFCFFB60A}"/>
               </a:ext>
             </a:extLst>
           </p:cNvPr>
@@ -1730,7 +1730,7 @@
           <p:cNvPr id="6" name="内容占位符 5">
             <a:extLst>
               <a:ext uri="{FF2B5EF4-FFF2-40B4-BE49-F238E27FC236}">
-                <a16:creationId xmlns:a16="http://schemas.microsoft.com/office/drawing/2014/main" id="{61697391-FB35-65BF-A3B0-B4B465F9BB44}"/>
+                <a16:creationId xmlns:a16="http://schemas.microsoft.com/office/drawing/2014/main" id="{F9EC5A76-EAF3-EEF0-A085-81A90DB985FB}"/>
               </a:ext>
             </a:extLst>
           </p:cNvPr>
@@ -1792,7 +1792,7 @@
           <p:cNvPr id="7" name="日期占位符 6">
             <a:extLst>
               <a:ext uri="{FF2B5EF4-FFF2-40B4-BE49-F238E27FC236}">
-                <a16:creationId xmlns:a16="http://schemas.microsoft.com/office/drawing/2014/main" id="{404FE01C-FD07-9FD8-BD49-B376ABCA15F7}"/>
+                <a16:creationId xmlns:a16="http://schemas.microsoft.com/office/drawing/2014/main" id="{49561D18-A472-1239-BC3A-89A556B48393}"/>
               </a:ext>
             </a:extLst>
           </p:cNvPr>
@@ -1808,7 +1808,7 @@
           <a:bodyPr/>
           <a:lstStyle/>
           <a:p>
-            <a:fld id="{0D7D446A-51BA-45DE-AFC9-92B1AABD0822}" type="datetimeFigureOut">
+            <a:fld id="{5E8416D6-2387-4C23-AE9C-8FD4EB2D001D}" type="datetimeFigureOut">
               <a:rPr lang="zh-CN" altLang="en-US" smtClean="0"/>
               <a:t>2024/3/10</a:t>
             </a:fld>
@@ -1821,7 +1821,7 @@
           <p:cNvPr id="8" name="页脚占位符 7">
             <a:extLst>
               <a:ext uri="{FF2B5EF4-FFF2-40B4-BE49-F238E27FC236}">
-                <a16:creationId xmlns:a16="http://schemas.microsoft.com/office/drawing/2014/main" id="{C3074299-F8B7-521D-92D4-67B030E98134}"/>
+                <a16:creationId xmlns:a16="http://schemas.microsoft.com/office/drawing/2014/main" id="{AF5F8896-1BDB-C9F3-B9D6-F67892A14074}"/>
               </a:ext>
             </a:extLst>
           </p:cNvPr>
@@ -1846,7 +1846,7 @@
           <p:cNvPr id="9" name="灯片编号占位符 8">
             <a:extLst>
               <a:ext uri="{FF2B5EF4-FFF2-40B4-BE49-F238E27FC236}">
-                <a16:creationId xmlns:a16="http://schemas.microsoft.com/office/drawing/2014/main" id="{68459907-436F-7A5B-C0FE-E9D855EAEA1C}"/>
+                <a16:creationId xmlns:a16="http://schemas.microsoft.com/office/drawing/2014/main" id="{535AFAF7-3074-913F-8358-12568AD9086E}"/>
               </a:ext>
             </a:extLst>
           </p:cNvPr>
@@ -1862,7 +1862,7 @@
           <a:bodyPr/>
           <a:lstStyle/>
           <a:p>
-            <a:fld id="{0DA1873D-B664-4226-917D-9798DBFB2A3E}" type="slidenum">
+            <a:fld id="{BAF53A50-985F-42BB-8159-5B20F448C21B}" type="slidenum">
               <a:rPr lang="zh-CN" altLang="en-US" smtClean="0"/>
               <a:t>‹#›</a:t>
             </a:fld>
@@ -1873,7 +1873,7 @@
     </p:spTree>
     <p:extLst>
       <p:ext uri="{BB962C8B-B14F-4D97-AF65-F5344CB8AC3E}">
-        <p14:creationId xmlns:p14="http://schemas.microsoft.com/office/powerpoint/2010/main" val="2077960599"/>
+        <p14:creationId xmlns:p14="http://schemas.microsoft.com/office/powerpoint/2010/main" val="694329309"/>
       </p:ext>
     </p:extLst>
   </p:cSld>
@@ -1905,7 +1905,7 @@
           <p:cNvPr id="2" name="标题 1">
             <a:extLst>
               <a:ext uri="{FF2B5EF4-FFF2-40B4-BE49-F238E27FC236}">
-                <a16:creationId xmlns:a16="http://schemas.microsoft.com/office/drawing/2014/main" id="{1AE133D3-9DD1-DB1C-E5AA-7D9D8196C74D}"/>
+                <a16:creationId xmlns:a16="http://schemas.microsoft.com/office/drawing/2014/main" id="{0E7A2632-A264-D5C7-AF62-5313098D851B}"/>
               </a:ext>
             </a:extLst>
           </p:cNvPr>
@@ -1933,7 +1933,7 @@
           <p:cNvPr id="3" name="日期占位符 2">
             <a:extLst>
               <a:ext uri="{FF2B5EF4-FFF2-40B4-BE49-F238E27FC236}">
-                <a16:creationId xmlns:a16="http://schemas.microsoft.com/office/drawing/2014/main" id="{B092589D-0779-F14B-7650-8CC026A58FA0}"/>
+                <a16:creationId xmlns:a16="http://schemas.microsoft.com/office/drawing/2014/main" id="{2C38E698-A340-D29B-D169-4A1D33381391}"/>
               </a:ext>
             </a:extLst>
           </p:cNvPr>
@@ -1949,7 +1949,7 @@
           <a:bodyPr/>
           <a:lstStyle/>
           <a:p>
-            <a:fld id="{0D7D446A-51BA-45DE-AFC9-92B1AABD0822}" type="datetimeFigureOut">
+            <a:fld id="{5E8416D6-2387-4C23-AE9C-8FD4EB2D001D}" type="datetimeFigureOut">
               <a:rPr lang="zh-CN" altLang="en-US" smtClean="0"/>
               <a:t>2024/3/10</a:t>
             </a:fld>
@@ -1962,7 +1962,7 @@
           <p:cNvPr id="4" name="页脚占位符 3">
             <a:extLst>
               <a:ext uri="{FF2B5EF4-FFF2-40B4-BE49-F238E27FC236}">
-                <a16:creationId xmlns:a16="http://schemas.microsoft.com/office/drawing/2014/main" id="{5E8E2A05-A0FE-BDB1-D694-FE6B92E34D90}"/>
+                <a16:creationId xmlns:a16="http://schemas.microsoft.com/office/drawing/2014/main" id="{D25E13D3-B0C9-8E1D-D659-0A8C819B211A}"/>
               </a:ext>
             </a:extLst>
           </p:cNvPr>
@@ -1987,7 +1987,7 @@
           <p:cNvPr id="5" name="灯片编号占位符 4">
             <a:extLst>
               <a:ext uri="{FF2B5EF4-FFF2-40B4-BE49-F238E27FC236}">
-                <a16:creationId xmlns:a16="http://schemas.microsoft.com/office/drawing/2014/main" id="{868754E8-165D-E5E9-4704-87F9A9A0F295}"/>
+                <a16:creationId xmlns:a16="http://schemas.microsoft.com/office/drawing/2014/main" id="{B2E02790-3876-B173-3E8F-FC6C68B263E9}"/>
               </a:ext>
             </a:extLst>
           </p:cNvPr>
@@ -2003,7 +2003,7 @@
           <a:bodyPr/>
           <a:lstStyle/>
           <a:p>
-            <a:fld id="{0DA1873D-B664-4226-917D-9798DBFB2A3E}" type="slidenum">
+            <a:fld id="{BAF53A50-985F-42BB-8159-5B20F448C21B}" type="slidenum">
               <a:rPr lang="zh-CN" altLang="en-US" smtClean="0"/>
               <a:t>‹#›</a:t>
             </a:fld>
@@ -2014,7 +2014,7 @@
     </p:spTree>
     <p:extLst>
       <p:ext uri="{BB962C8B-B14F-4D97-AF65-F5344CB8AC3E}">
-        <p14:creationId xmlns:p14="http://schemas.microsoft.com/office/powerpoint/2010/main" val="465051021"/>
+        <p14:creationId xmlns:p14="http://schemas.microsoft.com/office/powerpoint/2010/main" val="4089281148"/>
       </p:ext>
     </p:extLst>
   </p:cSld>
@@ -2046,7 +2046,7 @@
           <p:cNvPr id="2" name="日期占位符 1">
             <a:extLst>
               <a:ext uri="{FF2B5EF4-FFF2-40B4-BE49-F238E27FC236}">
-                <a16:creationId xmlns:a16="http://schemas.microsoft.com/office/drawing/2014/main" id="{A9AB3AA3-0841-F864-DA6D-98C092766B66}"/>
+                <a16:creationId xmlns:a16="http://schemas.microsoft.com/office/drawing/2014/main" id="{A11219FC-538F-3EAA-3BF6-9EB7735B4F2A}"/>
               </a:ext>
             </a:extLst>
           </p:cNvPr>
@@ -2062,7 +2062,7 @@
           <a:bodyPr/>
           <a:lstStyle/>
           <a:p>
-            <a:fld id="{0D7D446A-51BA-45DE-AFC9-92B1AABD0822}" type="datetimeFigureOut">
+            <a:fld id="{5E8416D6-2387-4C23-AE9C-8FD4EB2D001D}" type="datetimeFigureOut">
               <a:rPr lang="zh-CN" altLang="en-US" smtClean="0"/>
               <a:t>2024/3/10</a:t>
             </a:fld>
@@ -2075,7 +2075,7 @@
           <p:cNvPr id="3" name="页脚占位符 2">
             <a:extLst>
               <a:ext uri="{FF2B5EF4-FFF2-40B4-BE49-F238E27FC236}">
-                <a16:creationId xmlns:a16="http://schemas.microsoft.com/office/drawing/2014/main" id="{15225120-B9D5-D331-2107-E16DAC0633AC}"/>
+                <a16:creationId xmlns:a16="http://schemas.microsoft.com/office/drawing/2014/main" id="{E1D13341-4BE5-BD58-9B7F-48811D484182}"/>
               </a:ext>
             </a:extLst>
           </p:cNvPr>
@@ -2100,7 +2100,7 @@
           <p:cNvPr id="4" name="灯片编号占位符 3">
             <a:extLst>
               <a:ext uri="{FF2B5EF4-FFF2-40B4-BE49-F238E27FC236}">
-                <a16:creationId xmlns:a16="http://schemas.microsoft.com/office/drawing/2014/main" id="{D5B93D07-B03A-6E6C-ACD2-4D32F1A8F4C4}"/>
+                <a16:creationId xmlns:a16="http://schemas.microsoft.com/office/drawing/2014/main" id="{68658F1F-4A61-AF83-9684-327CC5EDB8B8}"/>
               </a:ext>
             </a:extLst>
           </p:cNvPr>
@@ -2116,7 +2116,7 @@
           <a:bodyPr/>
           <a:lstStyle/>
           <a:p>
-            <a:fld id="{0DA1873D-B664-4226-917D-9798DBFB2A3E}" type="slidenum">
+            <a:fld id="{BAF53A50-985F-42BB-8159-5B20F448C21B}" type="slidenum">
               <a:rPr lang="zh-CN" altLang="en-US" smtClean="0"/>
               <a:t>‹#›</a:t>
             </a:fld>
@@ -2127,7 +2127,7 @@
     </p:spTree>
     <p:extLst>
       <p:ext uri="{BB962C8B-B14F-4D97-AF65-F5344CB8AC3E}">
-        <p14:creationId xmlns:p14="http://schemas.microsoft.com/office/powerpoint/2010/main" val="1596385841"/>
+        <p14:creationId xmlns:p14="http://schemas.microsoft.com/office/powerpoint/2010/main" val="4218979158"/>
       </p:ext>
     </p:extLst>
   </p:cSld>
@@ -2159,7 +2159,7 @@
           <p:cNvPr id="2" name="标题 1">
             <a:extLst>
               <a:ext uri="{FF2B5EF4-FFF2-40B4-BE49-F238E27FC236}">
-                <a16:creationId xmlns:a16="http://schemas.microsoft.com/office/drawing/2014/main" id="{5E7707DE-E9B1-A221-D073-A491024038A9}"/>
+                <a16:creationId xmlns:a16="http://schemas.microsoft.com/office/drawing/2014/main" id="{3F02F77D-8A12-3E77-DBA5-48F7EE650A53}"/>
               </a:ext>
             </a:extLst>
           </p:cNvPr>
@@ -2196,7 +2196,7 @@
           <p:cNvPr id="3" name="内容占位符 2">
             <a:extLst>
               <a:ext uri="{FF2B5EF4-FFF2-40B4-BE49-F238E27FC236}">
-                <a16:creationId xmlns:a16="http://schemas.microsoft.com/office/drawing/2014/main" id="{5FF2E8E7-019D-F001-8B11-10E8DDF2BE7A}"/>
+                <a16:creationId xmlns:a16="http://schemas.microsoft.com/office/drawing/2014/main" id="{EA9C19EC-E815-D6A4-2571-7F4E811249F7}"/>
               </a:ext>
             </a:extLst>
           </p:cNvPr>
@@ -2286,7 +2286,7 @@
           <p:cNvPr id="4" name="文本占位符 3">
             <a:extLst>
               <a:ext uri="{FF2B5EF4-FFF2-40B4-BE49-F238E27FC236}">
-                <a16:creationId xmlns:a16="http://schemas.microsoft.com/office/drawing/2014/main" id="{1AD56C03-567F-22DA-95F5-27A28FEDABAA}"/>
+                <a16:creationId xmlns:a16="http://schemas.microsoft.com/office/drawing/2014/main" id="{0B72CC83-5E39-8B47-67ED-1494C9A42522}"/>
               </a:ext>
             </a:extLst>
           </p:cNvPr>
@@ -2357,7 +2357,7 @@
           <p:cNvPr id="5" name="日期占位符 4">
             <a:extLst>
               <a:ext uri="{FF2B5EF4-FFF2-40B4-BE49-F238E27FC236}">
-                <a16:creationId xmlns:a16="http://schemas.microsoft.com/office/drawing/2014/main" id="{FA84C77F-F25B-72AF-AA22-5A21459897B3}"/>
+                <a16:creationId xmlns:a16="http://schemas.microsoft.com/office/drawing/2014/main" id="{FFAAFF7B-81A2-8A99-5AE0-06608311E7DD}"/>
               </a:ext>
             </a:extLst>
           </p:cNvPr>
@@ -2373,7 +2373,7 @@
           <a:bodyPr/>
           <a:lstStyle/>
           <a:p>
-            <a:fld id="{0D7D446A-51BA-45DE-AFC9-92B1AABD0822}" type="datetimeFigureOut">
+            <a:fld id="{5E8416D6-2387-4C23-AE9C-8FD4EB2D001D}" type="datetimeFigureOut">
               <a:rPr lang="zh-CN" altLang="en-US" smtClean="0"/>
               <a:t>2024/3/10</a:t>
             </a:fld>
@@ -2386,7 +2386,7 @@
           <p:cNvPr id="6" name="页脚占位符 5">
             <a:extLst>
               <a:ext uri="{FF2B5EF4-FFF2-40B4-BE49-F238E27FC236}">
-                <a16:creationId xmlns:a16="http://schemas.microsoft.com/office/drawing/2014/main" id="{FBF0E834-FE80-435B-BFD3-ADA44CE21E5D}"/>
+                <a16:creationId xmlns:a16="http://schemas.microsoft.com/office/drawing/2014/main" id="{89EED8DE-3233-E357-F126-C474BEC4BFC2}"/>
               </a:ext>
             </a:extLst>
           </p:cNvPr>
@@ -2411,7 +2411,7 @@
           <p:cNvPr id="7" name="灯片编号占位符 6">
             <a:extLst>
               <a:ext uri="{FF2B5EF4-FFF2-40B4-BE49-F238E27FC236}">
-                <a16:creationId xmlns:a16="http://schemas.microsoft.com/office/drawing/2014/main" id="{30B85A80-8EF1-3BE6-F8BC-1EEF4CD72E93}"/>
+                <a16:creationId xmlns:a16="http://schemas.microsoft.com/office/drawing/2014/main" id="{FEB0D49C-8128-AAD9-534B-3BC6E839C6F0}"/>
               </a:ext>
             </a:extLst>
           </p:cNvPr>
@@ -2427,7 +2427,7 @@
           <a:bodyPr/>
           <a:lstStyle/>
           <a:p>
-            <a:fld id="{0DA1873D-B664-4226-917D-9798DBFB2A3E}" type="slidenum">
+            <a:fld id="{BAF53A50-985F-42BB-8159-5B20F448C21B}" type="slidenum">
               <a:rPr lang="zh-CN" altLang="en-US" smtClean="0"/>
               <a:t>‹#›</a:t>
             </a:fld>
@@ -2438,7 +2438,7 @@
     </p:spTree>
     <p:extLst>
       <p:ext uri="{BB962C8B-B14F-4D97-AF65-F5344CB8AC3E}">
-        <p14:creationId xmlns:p14="http://schemas.microsoft.com/office/powerpoint/2010/main" val="3977729670"/>
+        <p14:creationId xmlns:p14="http://schemas.microsoft.com/office/powerpoint/2010/main" val="3513440371"/>
       </p:ext>
     </p:extLst>
   </p:cSld>
@@ -2470,7 +2470,7 @@
           <p:cNvPr id="2" name="标题 1">
             <a:extLst>
               <a:ext uri="{FF2B5EF4-FFF2-40B4-BE49-F238E27FC236}">
-                <a16:creationId xmlns:a16="http://schemas.microsoft.com/office/drawing/2014/main" id="{05B83320-A225-F939-F1B7-6D29734AD871}"/>
+                <a16:creationId xmlns:a16="http://schemas.microsoft.com/office/drawing/2014/main" id="{8E960C98-A404-7DB0-EB2E-0564DEDBF500}"/>
               </a:ext>
             </a:extLst>
           </p:cNvPr>
@@ -2507,7 +2507,7 @@
           <p:cNvPr id="3" name="图片占位符 2">
             <a:extLst>
               <a:ext uri="{FF2B5EF4-FFF2-40B4-BE49-F238E27FC236}">
-                <a16:creationId xmlns:a16="http://schemas.microsoft.com/office/drawing/2014/main" id="{803EF51D-EF16-A6E9-7D2D-D29082FDAEBF}"/>
+                <a16:creationId xmlns:a16="http://schemas.microsoft.com/office/drawing/2014/main" id="{534A7AF4-A1D0-7CBA-F07E-9355FC3B8DB9}"/>
               </a:ext>
             </a:extLst>
           </p:cNvPr>
@@ -2574,7 +2574,7 @@
           <p:cNvPr id="4" name="文本占位符 3">
             <a:extLst>
               <a:ext uri="{FF2B5EF4-FFF2-40B4-BE49-F238E27FC236}">
-                <a16:creationId xmlns:a16="http://schemas.microsoft.com/office/drawing/2014/main" id="{416D6247-3BC4-ABCB-DCB6-2C0A483D82E0}"/>
+                <a16:creationId xmlns:a16="http://schemas.microsoft.com/office/drawing/2014/main" id="{9FBF4217-C3CC-9C33-DC06-76E4E6FD3567}"/>
               </a:ext>
             </a:extLst>
           </p:cNvPr>
@@ -2645,7 +2645,7 @@
           <p:cNvPr id="5" name="日期占位符 4">
             <a:extLst>
               <a:ext uri="{FF2B5EF4-FFF2-40B4-BE49-F238E27FC236}">
-                <a16:creationId xmlns:a16="http://schemas.microsoft.com/office/drawing/2014/main" id="{54C0D748-87BE-0659-1606-005BA659BA2B}"/>
+                <a16:creationId xmlns:a16="http://schemas.microsoft.com/office/drawing/2014/main" id="{8E1B877B-60E4-CE7D-54DE-096A4DE641E2}"/>
               </a:ext>
             </a:extLst>
           </p:cNvPr>
@@ -2661,7 +2661,7 @@
           <a:bodyPr/>
           <a:lstStyle/>
           <a:p>
-            <a:fld id="{0D7D446A-51BA-45DE-AFC9-92B1AABD0822}" type="datetimeFigureOut">
+            <a:fld id="{5E8416D6-2387-4C23-AE9C-8FD4EB2D001D}" type="datetimeFigureOut">
               <a:rPr lang="zh-CN" altLang="en-US" smtClean="0"/>
               <a:t>2024/3/10</a:t>
             </a:fld>
@@ -2674,7 +2674,7 @@
           <p:cNvPr id="6" name="页脚占位符 5">
             <a:extLst>
               <a:ext uri="{FF2B5EF4-FFF2-40B4-BE49-F238E27FC236}">
-                <a16:creationId xmlns:a16="http://schemas.microsoft.com/office/drawing/2014/main" id="{8586861E-FBDF-3096-2D59-396F89315E89}"/>
+                <a16:creationId xmlns:a16="http://schemas.microsoft.com/office/drawing/2014/main" id="{6368113A-F104-A0A0-BDC0-4EFFCA9D5F84}"/>
               </a:ext>
             </a:extLst>
           </p:cNvPr>
@@ -2699,7 +2699,7 @@
           <p:cNvPr id="7" name="灯片编号占位符 6">
             <a:extLst>
               <a:ext uri="{FF2B5EF4-FFF2-40B4-BE49-F238E27FC236}">
-                <a16:creationId xmlns:a16="http://schemas.microsoft.com/office/drawing/2014/main" id="{C57D65C8-C694-D369-154E-46246BDDA144}"/>
+                <a16:creationId xmlns:a16="http://schemas.microsoft.com/office/drawing/2014/main" id="{091619FF-FD1D-568E-55A6-153004C74FA3}"/>
               </a:ext>
             </a:extLst>
           </p:cNvPr>
@@ -2715,7 +2715,7 @@
           <a:bodyPr/>
           <a:lstStyle/>
           <a:p>
-            <a:fld id="{0DA1873D-B664-4226-917D-9798DBFB2A3E}" type="slidenum">
+            <a:fld id="{BAF53A50-985F-42BB-8159-5B20F448C21B}" type="slidenum">
               <a:rPr lang="zh-CN" altLang="en-US" smtClean="0"/>
               <a:t>‹#›</a:t>
             </a:fld>
@@ -2726,7 +2726,7 @@
     </p:spTree>
     <p:extLst>
       <p:ext uri="{BB962C8B-B14F-4D97-AF65-F5344CB8AC3E}">
-        <p14:creationId xmlns:p14="http://schemas.microsoft.com/office/powerpoint/2010/main" val="2719348063"/>
+        <p14:creationId xmlns:p14="http://schemas.microsoft.com/office/powerpoint/2010/main" val="3551950841"/>
       </p:ext>
     </p:extLst>
   </p:cSld>
@@ -2763,7 +2763,7 @@
           <p:cNvPr id="2" name="标题占位符 1">
             <a:extLst>
               <a:ext uri="{FF2B5EF4-FFF2-40B4-BE49-F238E27FC236}">
-                <a16:creationId xmlns:a16="http://schemas.microsoft.com/office/drawing/2014/main" id="{76734C92-ECE2-2919-E5F1-FC59931E604C}"/>
+                <a16:creationId xmlns:a16="http://schemas.microsoft.com/office/drawing/2014/main" id="{B132C1F3-BF35-B230-8285-C89FB7576D15}"/>
               </a:ext>
             </a:extLst>
           </p:cNvPr>
@@ -2801,7 +2801,7 @@
           <p:cNvPr id="3" name="文本占位符 2">
             <a:extLst>
               <a:ext uri="{FF2B5EF4-FFF2-40B4-BE49-F238E27FC236}">
-                <a16:creationId xmlns:a16="http://schemas.microsoft.com/office/drawing/2014/main" id="{944D446E-E2F5-96FA-3B11-E77110E3FD2F}"/>
+                <a16:creationId xmlns:a16="http://schemas.microsoft.com/office/drawing/2014/main" id="{323DEC7D-F094-970F-5BC1-B44F69774EF3}"/>
               </a:ext>
             </a:extLst>
           </p:cNvPr>
@@ -2868,7 +2868,7 @@
           <p:cNvPr id="4" name="日期占位符 3">
             <a:extLst>
               <a:ext uri="{FF2B5EF4-FFF2-40B4-BE49-F238E27FC236}">
-                <a16:creationId xmlns:a16="http://schemas.microsoft.com/office/drawing/2014/main" id="{9BBB9D2B-795C-182A-513F-E4904FBC137B}"/>
+                <a16:creationId xmlns:a16="http://schemas.microsoft.com/office/drawing/2014/main" id="{28911319-C753-0CCD-411D-92DEE45284A6}"/>
               </a:ext>
             </a:extLst>
           </p:cNvPr>
@@ -2902,7 +2902,7 @@
             </a:lvl1pPr>
           </a:lstStyle>
           <a:p>
-            <a:fld id="{0D7D446A-51BA-45DE-AFC9-92B1AABD0822}" type="datetimeFigureOut">
+            <a:fld id="{5E8416D6-2387-4C23-AE9C-8FD4EB2D001D}" type="datetimeFigureOut">
               <a:rPr lang="zh-CN" altLang="en-US" smtClean="0"/>
               <a:t>2024/3/10</a:t>
             </a:fld>
@@ -2915,7 +2915,7 @@
           <p:cNvPr id="5" name="页脚占位符 4">
             <a:extLst>
               <a:ext uri="{FF2B5EF4-FFF2-40B4-BE49-F238E27FC236}">
-                <a16:creationId xmlns:a16="http://schemas.microsoft.com/office/drawing/2014/main" id="{B9D6A2D9-3191-2FF6-4FE4-072F6437B366}"/>
+                <a16:creationId xmlns:a16="http://schemas.microsoft.com/office/drawing/2014/main" id="{1B63E443-1F60-8149-BCE2-88E7A27F0140}"/>
               </a:ext>
             </a:extLst>
           </p:cNvPr>
@@ -2958,7 +2958,7 @@
           <p:cNvPr id="6" name="灯片编号占位符 5">
             <a:extLst>
               <a:ext uri="{FF2B5EF4-FFF2-40B4-BE49-F238E27FC236}">
-                <a16:creationId xmlns:a16="http://schemas.microsoft.com/office/drawing/2014/main" id="{46A7474A-F146-F534-497B-761B4E49D8AD}"/>
+                <a16:creationId xmlns:a16="http://schemas.microsoft.com/office/drawing/2014/main" id="{31C2DBB2-5C09-1918-24E4-D501728C583F}"/>
               </a:ext>
             </a:extLst>
           </p:cNvPr>
@@ -2992,7 +2992,7 @@
             </a:lvl1pPr>
           </a:lstStyle>
           <a:p>
-            <a:fld id="{0DA1873D-B664-4226-917D-9798DBFB2A3E}" type="slidenum">
+            <a:fld id="{BAF53A50-985F-42BB-8159-5B20F448C21B}" type="slidenum">
               <a:rPr lang="zh-CN" altLang="en-US" smtClean="0"/>
               <a:t>‹#›</a:t>
             </a:fld>
@@ -3003,7 +3003,7 @@
     </p:spTree>
     <p:extLst>
       <p:ext uri="{BB962C8B-B14F-4D97-AF65-F5344CB8AC3E}">
-        <p14:creationId xmlns:p14="http://schemas.microsoft.com/office/powerpoint/2010/main" val="2343485404"/>
+        <p14:creationId xmlns:p14="http://schemas.microsoft.com/office/powerpoint/2010/main" val="1790584188"/>
       </p:ext>
     </p:extLst>
   </p:cSld>
